--- a/database/slides/BRAZILIAN_CHRISTMAS_CAROL.pptx
+++ b/database/slides/BRAZILIAN_CHRISTMAS_CAROL.pptx
@@ -16191,7 +16191,13 @@
       </p:sp>
       <p:sp>
         <p:nvSpPr>
-          <p:cNvPr id="131" name="Google Shape;131;p25"/>
+          <p:cNvPr id="2" name="Google Shape;131;p25">
+            <a:extLst>
+              <a:ext uri="{FF2B5EF4-FFF2-40B4-BE49-F238E27FC236}">
+                <a16:creationId xmlns:a16="http://schemas.microsoft.com/office/drawing/2014/main" id="{CE0D4B90-B9DB-1D94-52CB-08CEF521C541}"/>
+              </a:ext>
+            </a:extLst>
+          </p:cNvPr>
           <p:cNvSpPr txBox="1"/>
           <p:nvPr/>
         </p:nvSpPr>
@@ -16214,14 +16220,22 @@
           </a:bodyPr>
           <a:lstStyle/>
           <a:p>
-            <a:pPr>
+            <a:pPr marL="0" lvl="0" indent="0" algn="l" rtl="0">
+              <a:spcBef>
+                <a:spcPts val="0"/>
+              </a:spcBef>
+              <a:spcAft>
+                <a:spcPts val="0"/>
+              </a:spcAft>
               <a:buClr>
                 <a:schemeClr val="lt1"/>
               </a:buClr>
               <a:buSzPts val="3200"/>
+              <a:buFont typeface="Arial"/>
+              <a:buNone/>
             </a:pPr>
             <a:r>
-              <a:rPr lang="en-GB" sz="3600" b="1" i="1" dirty="0">
+              <a:rPr lang="en-GB" sz="3600" b="1" i="1">
                 <a:solidFill>
                   <a:srgbClr val="FFFF00"/>
                 </a:solidFill>
@@ -16232,7 +16246,7 @@
               </a:rPr>
               <a:t>contd..</a:t>
             </a:r>
-            <a:endParaRPr lang="en-GB" sz="3600" dirty="0">
+            <a:endParaRPr sz="3600">
               <a:latin typeface="Calibri"/>
               <a:ea typeface="Calibri"/>
               <a:cs typeface="Calibri"/>
@@ -16583,10 +16597,10 @@
       </p:sp>
       <p:sp>
         <p:nvSpPr>
-          <p:cNvPr id="131" name="Google Shape;131;p25">
+          <p:cNvPr id="2" name="Google Shape;131;p25">
             <a:extLst>
               <a:ext uri="{FF2B5EF4-FFF2-40B4-BE49-F238E27FC236}">
-                <a16:creationId xmlns:a16="http://schemas.microsoft.com/office/drawing/2014/main" id="{E7837B8B-FE63-424D-861E-3C8A29B08E2D}"/>
+                <a16:creationId xmlns:a16="http://schemas.microsoft.com/office/drawing/2014/main" id="{0101165E-1AA1-011C-598E-915EB969FD13}"/>
               </a:ext>
             </a:extLst>
           </p:cNvPr>
@@ -16612,14 +16626,22 @@
           </a:bodyPr>
           <a:lstStyle/>
           <a:p>
-            <a:pPr>
+            <a:pPr marL="0" lvl="0" indent="0" algn="l" rtl="0">
+              <a:spcBef>
+                <a:spcPts val="0"/>
+              </a:spcBef>
+              <a:spcAft>
+                <a:spcPts val="0"/>
+              </a:spcAft>
               <a:buClr>
                 <a:schemeClr val="lt1"/>
               </a:buClr>
               <a:buSzPts val="3200"/>
+              <a:buFont typeface="Arial"/>
+              <a:buNone/>
             </a:pPr>
             <a:r>
-              <a:rPr lang="en-GB" sz="3600" b="1" i="1" dirty="0">
+              <a:rPr lang="en-GB" sz="3600" b="1" i="1">
                 <a:solidFill>
                   <a:srgbClr val="FFFF00"/>
                 </a:solidFill>
@@ -16630,7 +16652,7 @@
               </a:rPr>
               <a:t>contd..</a:t>
             </a:r>
-            <a:endParaRPr lang="en-GB" sz="3600" dirty="0">
+            <a:endParaRPr sz="3600">
               <a:latin typeface="Calibri"/>
               <a:ea typeface="Calibri"/>
               <a:cs typeface="Calibri"/>
@@ -16968,10 +16990,10 @@
       </p:sp>
       <p:sp>
         <p:nvSpPr>
-          <p:cNvPr id="131" name="Google Shape;131;p25">
+          <p:cNvPr id="2" name="Google Shape;131;p25">
             <a:extLst>
               <a:ext uri="{FF2B5EF4-FFF2-40B4-BE49-F238E27FC236}">
-                <a16:creationId xmlns:a16="http://schemas.microsoft.com/office/drawing/2014/main" id="{03C8A4B5-3F64-0DCE-9E9E-71066E2D2E0D}"/>
+                <a16:creationId xmlns:a16="http://schemas.microsoft.com/office/drawing/2014/main" id="{D29249B2-2F50-240D-0E84-C0F2024AFA82}"/>
               </a:ext>
             </a:extLst>
           </p:cNvPr>
@@ -16997,14 +17019,22 @@
           </a:bodyPr>
           <a:lstStyle/>
           <a:p>
-            <a:pPr>
+            <a:pPr marL="0" lvl="0" indent="0" algn="l" rtl="0">
+              <a:spcBef>
+                <a:spcPts val="0"/>
+              </a:spcBef>
+              <a:spcAft>
+                <a:spcPts val="0"/>
+              </a:spcAft>
               <a:buClr>
                 <a:schemeClr val="lt1"/>
               </a:buClr>
               <a:buSzPts val="3200"/>
+              <a:buFont typeface="Arial"/>
+              <a:buNone/>
             </a:pPr>
             <a:r>
-              <a:rPr lang="en-GB" sz="3600" b="1" i="1" dirty="0">
+              <a:rPr lang="en-GB" sz="3600" b="1" i="1">
                 <a:solidFill>
                   <a:srgbClr val="FFFF00"/>
                 </a:solidFill>
@@ -17015,7 +17045,7 @@
               </a:rPr>
               <a:t>contd..</a:t>
             </a:r>
-            <a:endParaRPr lang="en-GB" sz="3600" dirty="0">
+            <a:endParaRPr sz="3600">
               <a:latin typeface="Calibri"/>
               <a:ea typeface="Calibri"/>
               <a:cs typeface="Calibri"/>
